--- a/TP1/TP1_GRUPO12.pptx
+++ b/TP1/TP1_GRUPO12.pptx
@@ -122,6 +122,11 @@
       </a:defRPr>
     </a:lvl9pPr>
   </p:defaultTextStyle>
+  <p:extLst>
+    <p:ext uri="{EFAFB233-063F-42B5-8137-9DF3F51BA10A}">
+      <p15:sldGuideLst xmlns:p15="http://schemas.microsoft.com/office/powerpoint/2012/main"/>
+    </p:ext>
+  </p:extLst>
 </p:presentation>
 </file>
 
@@ -137,8 +142,8 @@
 <pc:chgInfo xmlns:a="http://schemas.openxmlformats.org/drawingml/2006/main" xmlns:r="http://schemas.openxmlformats.org/officeDocument/2006/relationships" xmlns:ac="http://schemas.microsoft.com/office/drawing/2013/main/command" xmlns:pc="http://schemas.microsoft.com/office/powerpoint/2013/main/command">
   <pc:docChgLst>
     <pc:chgData name="Moises Pirela" userId="a07275d2963e6567" providerId="LiveId" clId="{3AF36EFD-39B4-44E2-ACEB-D9DAEDAAFC3E}"/>
-    <pc:docChg chg="addSld delSld modSld">
-      <pc:chgData name="Moises Pirela" userId="a07275d2963e6567" providerId="LiveId" clId="{3AF36EFD-39B4-44E2-ACEB-D9DAEDAAFC3E}" dt="2022-11-03T08:10:04.761" v="36" actId="47"/>
+    <pc:docChg chg="custSel addSld delSld modSld">
+      <pc:chgData name="Moises Pirela" userId="a07275d2963e6567" providerId="LiveId" clId="{3AF36EFD-39B4-44E2-ACEB-D9DAEDAAFC3E}" dt="2022-11-03T09:00:29.055" v="69" actId="27636"/>
       <pc:docMkLst>
         <pc:docMk/>
       </pc:docMkLst>
@@ -165,8 +170,8 @@
           </ac:spMkLst>
         </pc:spChg>
       </pc:sldChg>
-      <pc:sldChg chg="modSp mod">
-        <pc:chgData name="Moises Pirela" userId="a07275d2963e6567" providerId="LiveId" clId="{3AF36EFD-39B4-44E2-ACEB-D9DAEDAAFC3E}" dt="2022-11-03T08:09:16.098" v="32" actId="1076"/>
+      <pc:sldChg chg="addSp modSp mod">
+        <pc:chgData name="Moises Pirela" userId="a07275d2963e6567" providerId="LiveId" clId="{3AF36EFD-39B4-44E2-ACEB-D9DAEDAAFC3E}" dt="2022-11-03T09:00:20.479" v="57" actId="27636"/>
         <pc:sldMkLst>
           <pc:docMk/>
           <pc:sldMk cId="2712698602" sldId="257"/>
@@ -185,6 +190,14 @@
             <pc:docMk/>
             <pc:sldMk cId="2712698602" sldId="257"/>
             <ac:spMk id="3" creationId="{61375448-1027-C97B-3FE9-C9A0F48962BE}"/>
+          </ac:spMkLst>
+        </pc:spChg>
+        <pc:spChg chg="add mod">
+          <ac:chgData name="Moises Pirela" userId="a07275d2963e6567" providerId="LiveId" clId="{3AF36EFD-39B4-44E2-ACEB-D9DAEDAAFC3E}" dt="2022-11-03T09:00:20.479" v="57" actId="27636"/>
+          <ac:spMkLst>
+            <pc:docMk/>
+            <pc:sldMk cId="2712698602" sldId="257"/>
+            <ac:spMk id="4" creationId="{F3F9F3E1-902A-1A92-C60A-FF4FC2FFAA92}"/>
           </ac:spMkLst>
         </pc:spChg>
         <pc:spChg chg="mod">
@@ -244,12 +257,155 @@
           </ac:picMkLst>
         </pc:picChg>
       </pc:sldChg>
-      <pc:sldChg chg="modSp mod">
-        <pc:chgData name="Moises Pirela" userId="a07275d2963e6567" providerId="LiveId" clId="{3AF36EFD-39B4-44E2-ACEB-D9DAEDAAFC3E}" dt="2022-11-03T08:08:11.594" v="24" actId="1076"/>
+      <pc:sldChg chg="addSp modSp mod">
+        <pc:chgData name="Moises Pirela" userId="a07275d2963e6567" providerId="LiveId" clId="{3AF36EFD-39B4-44E2-ACEB-D9DAEDAAFC3E}" dt="2022-11-03T09:00:22.051" v="59" actId="27636"/>
+        <pc:sldMkLst>
+          <pc:docMk/>
+          <pc:sldMk cId="2534241707" sldId="258"/>
+        </pc:sldMkLst>
+        <pc:spChg chg="add mod">
+          <ac:chgData name="Moises Pirela" userId="a07275d2963e6567" providerId="LiveId" clId="{3AF36EFD-39B4-44E2-ACEB-D9DAEDAAFC3E}" dt="2022-11-03T09:00:22.051" v="59" actId="27636"/>
+          <ac:spMkLst>
+            <pc:docMk/>
+            <pc:sldMk cId="2534241707" sldId="258"/>
+            <ac:spMk id="4" creationId="{3BEC6C7C-AD4A-F499-D310-08F40D7865A9}"/>
+          </ac:spMkLst>
+        </pc:spChg>
+      </pc:sldChg>
+      <pc:sldChg chg="addSp modSp mod">
+        <pc:chgData name="Moises Pirela" userId="a07275d2963e6567" providerId="LiveId" clId="{3AF36EFD-39B4-44E2-ACEB-D9DAEDAAFC3E}" dt="2022-11-03T09:00:27.624" v="67" actId="27636"/>
+        <pc:sldMkLst>
+          <pc:docMk/>
+          <pc:sldMk cId="2267055555" sldId="259"/>
+        </pc:sldMkLst>
+        <pc:spChg chg="add mod">
+          <ac:chgData name="Moises Pirela" userId="a07275d2963e6567" providerId="LiveId" clId="{3AF36EFD-39B4-44E2-ACEB-D9DAEDAAFC3E}" dt="2022-11-03T09:00:27.624" v="67" actId="27636"/>
+          <ac:spMkLst>
+            <pc:docMk/>
+            <pc:sldMk cId="2267055555" sldId="259"/>
+            <ac:spMk id="4" creationId="{AAF0005D-0931-178A-871E-DA243FB3CD48}"/>
+          </ac:spMkLst>
+        </pc:spChg>
+      </pc:sldChg>
+      <pc:sldChg chg="addSp modSp mod">
+        <pc:chgData name="Moises Pirela" userId="a07275d2963e6567" providerId="LiveId" clId="{3AF36EFD-39B4-44E2-ACEB-D9DAEDAAFC3E}" dt="2022-11-03T09:00:09.640" v="45" actId="27636"/>
+        <pc:sldMkLst>
+          <pc:docMk/>
+          <pc:sldMk cId="3272350198" sldId="260"/>
+        </pc:sldMkLst>
+        <pc:spChg chg="add mod">
+          <ac:chgData name="Moises Pirela" userId="a07275d2963e6567" providerId="LiveId" clId="{3AF36EFD-39B4-44E2-ACEB-D9DAEDAAFC3E}" dt="2022-11-03T09:00:09.640" v="45" actId="27636"/>
+          <ac:spMkLst>
+            <pc:docMk/>
+            <pc:sldMk cId="3272350198" sldId="260"/>
+            <ac:spMk id="2" creationId="{89AC0C8C-1CF7-6C9C-3B72-4AC1598EDBEB}"/>
+          </ac:spMkLst>
+        </pc:spChg>
+      </pc:sldChg>
+      <pc:sldChg chg="addSp modSp mod">
+        <pc:chgData name="Moises Pirela" userId="a07275d2963e6567" providerId="LiveId" clId="{3AF36EFD-39B4-44E2-ACEB-D9DAEDAAFC3E}" dt="2022-11-03T09:00:12.208" v="47" actId="27636"/>
+        <pc:sldMkLst>
+          <pc:docMk/>
+          <pc:sldMk cId="107437754" sldId="262"/>
+        </pc:sldMkLst>
+        <pc:spChg chg="add mod">
+          <ac:chgData name="Moises Pirela" userId="a07275d2963e6567" providerId="LiveId" clId="{3AF36EFD-39B4-44E2-ACEB-D9DAEDAAFC3E}" dt="2022-11-03T09:00:12.208" v="47" actId="27636"/>
+          <ac:spMkLst>
+            <pc:docMk/>
+            <pc:sldMk cId="107437754" sldId="262"/>
+            <ac:spMk id="2" creationId="{C1D8C9F5-423E-50D5-2152-B41C69532DF5}"/>
+          </ac:spMkLst>
+        </pc:spChg>
+      </pc:sldChg>
+      <pc:sldChg chg="addSp modSp mod">
+        <pc:chgData name="Moises Pirela" userId="a07275d2963e6567" providerId="LiveId" clId="{3AF36EFD-39B4-44E2-ACEB-D9DAEDAAFC3E}" dt="2022-11-03T09:00:13.982" v="49" actId="27636"/>
+        <pc:sldMkLst>
+          <pc:docMk/>
+          <pc:sldMk cId="3505683670" sldId="267"/>
+        </pc:sldMkLst>
+        <pc:spChg chg="add mod">
+          <ac:chgData name="Moises Pirela" userId="a07275d2963e6567" providerId="LiveId" clId="{3AF36EFD-39B4-44E2-ACEB-D9DAEDAAFC3E}" dt="2022-11-03T09:00:13.982" v="49" actId="27636"/>
+          <ac:spMkLst>
+            <pc:docMk/>
+            <pc:sldMk cId="3505683670" sldId="267"/>
+            <ac:spMk id="2" creationId="{DF901789-6878-1F8A-AE64-C7530BAB6202}"/>
+          </ac:spMkLst>
+        </pc:spChg>
+      </pc:sldChg>
+      <pc:sldChg chg="addSp modSp mod">
+        <pc:chgData name="Moises Pirela" userId="a07275d2963e6567" providerId="LiveId" clId="{3AF36EFD-39B4-44E2-ACEB-D9DAEDAAFC3E}" dt="2022-11-03T09:00:15.761" v="51" actId="27636"/>
+        <pc:sldMkLst>
+          <pc:docMk/>
+          <pc:sldMk cId="2845316367" sldId="268"/>
+        </pc:sldMkLst>
+        <pc:spChg chg="add mod">
+          <ac:chgData name="Moises Pirela" userId="a07275d2963e6567" providerId="LiveId" clId="{3AF36EFD-39B4-44E2-ACEB-D9DAEDAAFC3E}" dt="2022-11-03T09:00:15.761" v="51" actId="27636"/>
+          <ac:spMkLst>
+            <pc:docMk/>
+            <pc:sldMk cId="2845316367" sldId="268"/>
+            <ac:spMk id="2" creationId="{4353F31C-BB2A-C31B-8285-D3EA7A4BBC83}"/>
+          </ac:spMkLst>
+        </pc:spChg>
+      </pc:sldChg>
+      <pc:sldChg chg="addSp modSp mod">
+        <pc:chgData name="Moises Pirela" userId="a07275d2963e6567" providerId="LiveId" clId="{3AF36EFD-39B4-44E2-ACEB-D9DAEDAAFC3E}" dt="2022-11-03T09:00:18.378" v="55" actId="27636"/>
+        <pc:sldMkLst>
+          <pc:docMk/>
+          <pc:sldMk cId="4183833468" sldId="270"/>
+        </pc:sldMkLst>
+        <pc:spChg chg="add mod">
+          <ac:chgData name="Moises Pirela" userId="a07275d2963e6567" providerId="LiveId" clId="{3AF36EFD-39B4-44E2-ACEB-D9DAEDAAFC3E}" dt="2022-11-03T09:00:18.378" v="55" actId="27636"/>
+          <ac:spMkLst>
+            <pc:docMk/>
+            <pc:sldMk cId="4183833468" sldId="270"/>
+            <ac:spMk id="9" creationId="{E023F502-DF03-EFD2-F552-7E76F52221D3}"/>
+          </ac:spMkLst>
+        </pc:spChg>
+      </pc:sldChg>
+      <pc:sldChg chg="addSp modSp mod">
+        <pc:chgData name="Moises Pirela" userId="a07275d2963e6567" providerId="LiveId" clId="{3AF36EFD-39B4-44E2-ACEB-D9DAEDAAFC3E}" dt="2022-11-03T09:00:17.360" v="53" actId="27636"/>
+        <pc:sldMkLst>
+          <pc:docMk/>
+          <pc:sldMk cId="2139806558" sldId="271"/>
+        </pc:sldMkLst>
+        <pc:spChg chg="add mod">
+          <ac:chgData name="Moises Pirela" userId="a07275d2963e6567" providerId="LiveId" clId="{3AF36EFD-39B4-44E2-ACEB-D9DAEDAAFC3E}" dt="2022-11-03T09:00:17.360" v="53" actId="27636"/>
+          <ac:spMkLst>
+            <pc:docMk/>
+            <pc:sldMk cId="2139806558" sldId="271"/>
+            <ac:spMk id="2" creationId="{490CF7D4-49FF-0693-CAD4-05446F7647BC}"/>
+          </ac:spMkLst>
+        </pc:spChg>
+      </pc:sldChg>
+      <pc:sldChg chg="addSp modSp mod">
+        <pc:chgData name="Moises Pirela" userId="a07275d2963e6567" providerId="LiveId" clId="{3AF36EFD-39B4-44E2-ACEB-D9DAEDAAFC3E}" dt="2022-11-03T08:59:52.594" v="38" actId="27636"/>
+        <pc:sldMkLst>
+          <pc:docMk/>
+          <pc:sldMk cId="1736751981" sldId="272"/>
+        </pc:sldMkLst>
+        <pc:spChg chg="add mod">
+          <ac:chgData name="Moises Pirela" userId="a07275d2963e6567" providerId="LiveId" clId="{3AF36EFD-39B4-44E2-ACEB-D9DAEDAAFC3E}" dt="2022-11-03T08:59:52.594" v="38" actId="27636"/>
+          <ac:spMkLst>
+            <pc:docMk/>
+            <pc:sldMk cId="1736751981" sldId="272"/>
+            <ac:spMk id="2" creationId="{D78FA7B2-FA47-3D4C-D926-5360D181C50B}"/>
+          </ac:spMkLst>
+        </pc:spChg>
+      </pc:sldChg>
+      <pc:sldChg chg="addSp modSp mod">
+        <pc:chgData name="Moises Pirela" userId="a07275d2963e6567" providerId="LiveId" clId="{3AF36EFD-39B4-44E2-ACEB-D9DAEDAAFC3E}" dt="2022-11-03T08:59:54.415" v="40" actId="27636"/>
         <pc:sldMkLst>
           <pc:docMk/>
           <pc:sldMk cId="4003891285" sldId="273"/>
         </pc:sldMkLst>
+        <pc:spChg chg="add mod">
+          <ac:chgData name="Moises Pirela" userId="a07275d2963e6567" providerId="LiveId" clId="{3AF36EFD-39B4-44E2-ACEB-D9DAEDAAFC3E}" dt="2022-11-03T08:59:54.415" v="40" actId="27636"/>
+          <ac:spMkLst>
+            <pc:docMk/>
+            <pc:sldMk cId="4003891285" sldId="273"/>
+            <ac:spMk id="2" creationId="{B6B85723-1752-AD1B-F7FC-CA64A9A0B029}"/>
+          </ac:spMkLst>
+        </pc:spChg>
         <pc:spChg chg="mod">
           <ac:chgData name="Moises Pirela" userId="a07275d2963e6567" providerId="LiveId" clId="{3AF36EFD-39B4-44E2-ACEB-D9DAEDAAFC3E}" dt="2022-11-03T08:08:11.594" v="24" actId="1076"/>
           <ac:spMkLst>
@@ -259,12 +415,65 @@
           </ac:spMkLst>
         </pc:spChg>
       </pc:sldChg>
-      <pc:sldChg chg="modSp mod">
-        <pc:chgData name="Moises Pirela" userId="a07275d2963e6567" providerId="LiveId" clId="{3AF36EFD-39B4-44E2-ACEB-D9DAEDAAFC3E}" dt="2022-11-03T08:09:57.388" v="35" actId="1076"/>
+      <pc:sldChg chg="addSp modSp mod">
+        <pc:chgData name="Moises Pirela" userId="a07275d2963e6567" providerId="LiveId" clId="{3AF36EFD-39B4-44E2-ACEB-D9DAEDAAFC3E}" dt="2022-11-03T09:00:00.442" v="43" actId="1036"/>
+        <pc:sldMkLst>
+          <pc:docMk/>
+          <pc:sldMk cId="1587171994" sldId="274"/>
+        </pc:sldMkLst>
+        <pc:spChg chg="add mod">
+          <ac:chgData name="Moises Pirela" userId="a07275d2963e6567" providerId="LiveId" clId="{3AF36EFD-39B4-44E2-ACEB-D9DAEDAAFC3E}" dt="2022-11-03T09:00:00.442" v="43" actId="1036"/>
+          <ac:spMkLst>
+            <pc:docMk/>
+            <pc:sldMk cId="1587171994" sldId="274"/>
+            <ac:spMk id="2" creationId="{78B3EC7C-9629-0075-D97F-2B69832F4F44}"/>
+          </ac:spMkLst>
+        </pc:spChg>
+      </pc:sldChg>
+      <pc:sldChg chg="addSp modSp mod">
+        <pc:chgData name="Moises Pirela" userId="a07275d2963e6567" providerId="LiveId" clId="{3AF36EFD-39B4-44E2-ACEB-D9DAEDAAFC3E}" dt="2022-11-03T09:00:23.418" v="61" actId="27636"/>
+        <pc:sldMkLst>
+          <pc:docMk/>
+          <pc:sldMk cId="47571275" sldId="275"/>
+        </pc:sldMkLst>
+        <pc:spChg chg="add mod">
+          <ac:chgData name="Moises Pirela" userId="a07275d2963e6567" providerId="LiveId" clId="{3AF36EFD-39B4-44E2-ACEB-D9DAEDAAFC3E}" dt="2022-11-03T09:00:23.418" v="61" actId="27636"/>
+          <ac:spMkLst>
+            <pc:docMk/>
+            <pc:sldMk cId="47571275" sldId="275"/>
+            <ac:spMk id="2" creationId="{590593A1-5ED2-36AD-8409-CD8FCBA36D86}"/>
+          </ac:spMkLst>
+        </pc:spChg>
+      </pc:sldChg>
+      <pc:sldChg chg="addSp modSp mod">
+        <pc:chgData name="Moises Pirela" userId="a07275d2963e6567" providerId="LiveId" clId="{3AF36EFD-39B4-44E2-ACEB-D9DAEDAAFC3E}" dt="2022-11-03T09:00:24.663" v="63" actId="27636"/>
+        <pc:sldMkLst>
+          <pc:docMk/>
+          <pc:sldMk cId="2313273808" sldId="276"/>
+        </pc:sldMkLst>
+        <pc:spChg chg="add mod">
+          <ac:chgData name="Moises Pirela" userId="a07275d2963e6567" providerId="LiveId" clId="{3AF36EFD-39B4-44E2-ACEB-D9DAEDAAFC3E}" dt="2022-11-03T09:00:24.663" v="63" actId="27636"/>
+          <ac:spMkLst>
+            <pc:docMk/>
+            <pc:sldMk cId="2313273808" sldId="276"/>
+            <ac:spMk id="3" creationId="{36ECCAF2-0CF5-0B90-8E5E-6B18F2FE5D48}"/>
+          </ac:spMkLst>
+        </pc:spChg>
+      </pc:sldChg>
+      <pc:sldChg chg="addSp modSp mod">
+        <pc:chgData name="Moises Pirela" userId="a07275d2963e6567" providerId="LiveId" clId="{3AF36EFD-39B4-44E2-ACEB-D9DAEDAAFC3E}" dt="2022-11-03T09:00:26.259" v="65" actId="27636"/>
         <pc:sldMkLst>
           <pc:docMk/>
           <pc:sldMk cId="2259072329" sldId="277"/>
         </pc:sldMkLst>
+        <pc:spChg chg="add mod">
+          <ac:chgData name="Moises Pirela" userId="a07275d2963e6567" providerId="LiveId" clId="{3AF36EFD-39B4-44E2-ACEB-D9DAEDAAFC3E}" dt="2022-11-03T09:00:26.259" v="65" actId="27636"/>
+          <ac:spMkLst>
+            <pc:docMk/>
+            <pc:sldMk cId="2259072329" sldId="277"/>
+            <ac:spMk id="4" creationId="{BC56E7F9-71F7-0F39-5C67-70EA6121708B}"/>
+          </ac:spMkLst>
+        </pc:spChg>
         <pc:graphicFrameChg chg="mod">
           <ac:chgData name="Moises Pirela" userId="a07275d2963e6567" providerId="LiveId" clId="{3AF36EFD-39B4-44E2-ACEB-D9DAEDAAFC3E}" dt="2022-11-03T08:09:57.388" v="35" actId="1076"/>
           <ac:graphicFrameMkLst>
@@ -273,6 +482,21 @@
             <ac:graphicFrameMk id="3" creationId="{20701985-E24A-A032-2B5A-E442CD6449CA}"/>
           </ac:graphicFrameMkLst>
         </pc:graphicFrameChg>
+      </pc:sldChg>
+      <pc:sldChg chg="addSp modSp mod">
+        <pc:chgData name="Moises Pirela" userId="a07275d2963e6567" providerId="LiveId" clId="{3AF36EFD-39B4-44E2-ACEB-D9DAEDAAFC3E}" dt="2022-11-03T09:00:29.055" v="69" actId="27636"/>
+        <pc:sldMkLst>
+          <pc:docMk/>
+          <pc:sldMk cId="2031219736" sldId="278"/>
+        </pc:sldMkLst>
+        <pc:spChg chg="add mod">
+          <ac:chgData name="Moises Pirela" userId="a07275d2963e6567" providerId="LiveId" clId="{3AF36EFD-39B4-44E2-ACEB-D9DAEDAAFC3E}" dt="2022-11-03T09:00:29.055" v="69" actId="27636"/>
+          <ac:spMkLst>
+            <pc:docMk/>
+            <pc:sldMk cId="2031219736" sldId="278"/>
+            <ac:spMk id="3" creationId="{FFB49C29-0DA9-FBDB-DBA6-7AE144AEFACB}"/>
+          </ac:spMkLst>
+        </pc:spChg>
       </pc:sldChg>
       <pc:sldChg chg="new del">
         <pc:chgData name="Moises Pirela" userId="a07275d2963e6567" providerId="LiveId" clId="{3AF36EFD-39B4-44E2-ACEB-D9DAEDAAFC3E}" dt="2022-11-03T08:10:04.761" v="36" actId="47"/>
@@ -1546,7 +1770,7 @@
           <a:p>
             <a:fld id="{5EE0F79D-48CD-459B-B74B-E24E7C0EA709}" type="datetimeFigureOut">
               <a:rPr lang="es-AR" smtClean="0"/>
-              <a:t>1/11/2022</a:t>
+              <a:t>3/11/2022</a:t>
             </a:fld>
             <a:endParaRPr lang="es-AR"/>
           </a:p>
@@ -1746,7 +1970,7 @@
           <a:p>
             <a:fld id="{5EE0F79D-48CD-459B-B74B-E24E7C0EA709}" type="datetimeFigureOut">
               <a:rPr lang="es-AR" smtClean="0"/>
-              <a:t>1/11/2022</a:t>
+              <a:t>3/11/2022</a:t>
             </a:fld>
             <a:endParaRPr lang="es-AR"/>
           </a:p>
@@ -1956,7 +2180,7 @@
           <a:p>
             <a:fld id="{5EE0F79D-48CD-459B-B74B-E24E7C0EA709}" type="datetimeFigureOut">
               <a:rPr lang="es-AR" smtClean="0"/>
-              <a:t>1/11/2022</a:t>
+              <a:t>3/11/2022</a:t>
             </a:fld>
             <a:endParaRPr lang="es-AR"/>
           </a:p>
@@ -2156,7 +2380,7 @@
           <a:p>
             <a:fld id="{5EE0F79D-48CD-459B-B74B-E24E7C0EA709}" type="datetimeFigureOut">
               <a:rPr lang="es-AR" smtClean="0"/>
-              <a:t>1/11/2022</a:t>
+              <a:t>3/11/2022</a:t>
             </a:fld>
             <a:endParaRPr lang="es-AR"/>
           </a:p>
@@ -2432,7 +2656,7 @@
           <a:p>
             <a:fld id="{5EE0F79D-48CD-459B-B74B-E24E7C0EA709}" type="datetimeFigureOut">
               <a:rPr lang="es-AR" smtClean="0"/>
-              <a:t>1/11/2022</a:t>
+              <a:t>3/11/2022</a:t>
             </a:fld>
             <a:endParaRPr lang="es-AR"/>
           </a:p>
@@ -2700,7 +2924,7 @@
           <a:p>
             <a:fld id="{5EE0F79D-48CD-459B-B74B-E24E7C0EA709}" type="datetimeFigureOut">
               <a:rPr lang="es-AR" smtClean="0"/>
-              <a:t>1/11/2022</a:t>
+              <a:t>3/11/2022</a:t>
             </a:fld>
             <a:endParaRPr lang="es-AR"/>
           </a:p>
@@ -3115,7 +3339,7 @@
           <a:p>
             <a:fld id="{5EE0F79D-48CD-459B-B74B-E24E7C0EA709}" type="datetimeFigureOut">
               <a:rPr lang="es-AR" smtClean="0"/>
-              <a:t>1/11/2022</a:t>
+              <a:t>3/11/2022</a:t>
             </a:fld>
             <a:endParaRPr lang="es-AR"/>
           </a:p>
@@ -3257,7 +3481,7 @@
           <a:p>
             <a:fld id="{5EE0F79D-48CD-459B-B74B-E24E7C0EA709}" type="datetimeFigureOut">
               <a:rPr lang="es-AR" smtClean="0"/>
-              <a:t>1/11/2022</a:t>
+              <a:t>3/11/2022</a:t>
             </a:fld>
             <a:endParaRPr lang="es-AR"/>
           </a:p>
@@ -3370,7 +3594,7 @@
           <a:p>
             <a:fld id="{5EE0F79D-48CD-459B-B74B-E24E7C0EA709}" type="datetimeFigureOut">
               <a:rPr lang="es-AR" smtClean="0"/>
-              <a:t>1/11/2022</a:t>
+              <a:t>3/11/2022</a:t>
             </a:fld>
             <a:endParaRPr lang="es-AR"/>
           </a:p>
@@ -3683,7 +3907,7 @@
           <a:p>
             <a:fld id="{5EE0F79D-48CD-459B-B74B-E24E7C0EA709}" type="datetimeFigureOut">
               <a:rPr lang="es-AR" smtClean="0"/>
-              <a:t>1/11/2022</a:t>
+              <a:t>3/11/2022</a:t>
             </a:fld>
             <a:endParaRPr lang="es-AR"/>
           </a:p>
@@ -3972,7 +4196,7 @@
           <a:p>
             <a:fld id="{5EE0F79D-48CD-459B-B74B-E24E7C0EA709}" type="datetimeFigureOut">
               <a:rPr lang="es-AR" smtClean="0"/>
-              <a:t>1/11/2022</a:t>
+              <a:t>3/11/2022</a:t>
             </a:fld>
             <a:endParaRPr lang="es-AR"/>
           </a:p>
@@ -4215,7 +4439,7 @@
           <a:p>
             <a:fld id="{5EE0F79D-48CD-459B-B74B-E24E7C0EA709}" type="datetimeFigureOut">
               <a:rPr lang="es-AR" smtClean="0"/>
-              <a:t>1/11/2022</a:t>
+              <a:t>3/11/2022</a:t>
             </a:fld>
             <a:endParaRPr lang="es-AR"/>
           </a:p>
@@ -5424,6 +5648,61 @@
           </a:p>
         </p:txBody>
       </p:sp>
+      <p:sp>
+        <p:nvSpPr>
+          <p:cNvPr id="2" name="Título 1">
+            <a:extLst>
+              <a:ext uri="{FF2B5EF4-FFF2-40B4-BE49-F238E27FC236}">
+                <a16:creationId xmlns:a16="http://schemas.microsoft.com/office/drawing/2014/main" id="{4353F31C-BB2A-C31B-8285-D3EA7A4BBC83}"/>
+              </a:ext>
+            </a:extLst>
+          </p:cNvPr>
+          <p:cNvSpPr txBox="1">
+            <a:spLocks/>
+          </p:cNvSpPr>
+          <p:nvPr/>
+        </p:nvSpPr>
+        <p:spPr>
+          <a:xfrm>
+            <a:off x="10668000" y="6502400"/>
+            <a:ext cx="1524000" cy="360680"/>
+          </a:xfrm>
+          <a:prstGeom prst="rect">
+            <a:avLst/>
+          </a:prstGeom>
+        </p:spPr>
+        <p:txBody>
+          <a:bodyPr vert="horz" lIns="91440" tIns="45720" rIns="91440" bIns="45720" rtlCol="0" anchor="ctr">
+            <a:normAutofit fontScale="90000" lnSpcReduction="20000"/>
+          </a:bodyPr>
+          <a:lstStyle>
+            <a:lvl1pPr algn="l" defTabSz="914400" rtl="0" eaLnBrk="1" latinLnBrk="0" hangingPunct="1">
+              <a:lnSpc>
+                <a:spcPct val="90000"/>
+              </a:lnSpc>
+              <a:spcBef>
+                <a:spcPct val="0"/>
+              </a:spcBef>
+              <a:buNone/>
+              <a:defRPr sz="4400" kern="1200">
+                <a:solidFill>
+                  <a:schemeClr val="tx1"/>
+                </a:solidFill>
+                <a:latin typeface="+mj-lt"/>
+                <a:ea typeface="+mj-ea"/>
+                <a:cs typeface="+mj-cs"/>
+              </a:defRPr>
+            </a:lvl1pPr>
+          </a:lstStyle>
+          <a:p>
+            <a:r>
+              <a:rPr lang="es-AR" sz="2400"/>
+              <a:t>GRUPO 12</a:t>
+            </a:r>
+            <a:endParaRPr lang="es-AR" sz="2400" dirty="0"/>
+          </a:p>
+        </p:txBody>
+      </p:sp>
     </p:spTree>
     <p:extLst>
       <p:ext uri="{BB962C8B-B14F-4D97-AF65-F5344CB8AC3E}">
@@ -6095,6 +6374,61 @@
           </a:p>
         </p:txBody>
       </p:sp>
+      <p:sp>
+        <p:nvSpPr>
+          <p:cNvPr id="9" name="Título 1">
+            <a:extLst>
+              <a:ext uri="{FF2B5EF4-FFF2-40B4-BE49-F238E27FC236}">
+                <a16:creationId xmlns:a16="http://schemas.microsoft.com/office/drawing/2014/main" id="{E023F502-DF03-EFD2-F552-7E76F52221D3}"/>
+              </a:ext>
+            </a:extLst>
+          </p:cNvPr>
+          <p:cNvSpPr txBox="1">
+            <a:spLocks/>
+          </p:cNvSpPr>
+          <p:nvPr/>
+        </p:nvSpPr>
+        <p:spPr>
+          <a:xfrm>
+            <a:off x="10668000" y="6502400"/>
+            <a:ext cx="1524000" cy="360680"/>
+          </a:xfrm>
+          <a:prstGeom prst="rect">
+            <a:avLst/>
+          </a:prstGeom>
+        </p:spPr>
+        <p:txBody>
+          <a:bodyPr vert="horz" lIns="91440" tIns="45720" rIns="91440" bIns="45720" rtlCol="0" anchor="ctr">
+            <a:normAutofit fontScale="90000" lnSpcReduction="20000"/>
+          </a:bodyPr>
+          <a:lstStyle>
+            <a:lvl1pPr algn="l" defTabSz="914400" rtl="0" eaLnBrk="1" latinLnBrk="0" hangingPunct="1">
+              <a:lnSpc>
+                <a:spcPct val="90000"/>
+              </a:lnSpc>
+              <a:spcBef>
+                <a:spcPct val="0"/>
+              </a:spcBef>
+              <a:buNone/>
+              <a:defRPr sz="4400" kern="1200">
+                <a:solidFill>
+                  <a:schemeClr val="tx1"/>
+                </a:solidFill>
+                <a:latin typeface="+mj-lt"/>
+                <a:ea typeface="+mj-ea"/>
+                <a:cs typeface="+mj-cs"/>
+              </a:defRPr>
+            </a:lvl1pPr>
+          </a:lstStyle>
+          <a:p>
+            <a:r>
+              <a:rPr lang="es-AR" sz="2400"/>
+              <a:t>GRUPO 12</a:t>
+            </a:r>
+            <a:endParaRPr lang="es-AR" sz="2400" dirty="0"/>
+          </a:p>
+        </p:txBody>
+      </p:sp>
     </p:spTree>
     <p:extLst>
       <p:ext uri="{BB962C8B-B14F-4D97-AF65-F5344CB8AC3E}">
@@ -6689,6 +7023,61 @@
           </a:p>
         </p:txBody>
       </p:sp>
+      <p:sp>
+        <p:nvSpPr>
+          <p:cNvPr id="2" name="Título 1">
+            <a:extLst>
+              <a:ext uri="{FF2B5EF4-FFF2-40B4-BE49-F238E27FC236}">
+                <a16:creationId xmlns:a16="http://schemas.microsoft.com/office/drawing/2014/main" id="{490CF7D4-49FF-0693-CAD4-05446F7647BC}"/>
+              </a:ext>
+            </a:extLst>
+          </p:cNvPr>
+          <p:cNvSpPr txBox="1">
+            <a:spLocks/>
+          </p:cNvSpPr>
+          <p:nvPr/>
+        </p:nvSpPr>
+        <p:spPr>
+          <a:xfrm>
+            <a:off x="10668000" y="6502400"/>
+            <a:ext cx="1524000" cy="360680"/>
+          </a:xfrm>
+          <a:prstGeom prst="rect">
+            <a:avLst/>
+          </a:prstGeom>
+        </p:spPr>
+        <p:txBody>
+          <a:bodyPr vert="horz" lIns="91440" tIns="45720" rIns="91440" bIns="45720" rtlCol="0" anchor="ctr">
+            <a:normAutofit fontScale="90000" lnSpcReduction="20000"/>
+          </a:bodyPr>
+          <a:lstStyle>
+            <a:lvl1pPr algn="l" defTabSz="914400" rtl="0" eaLnBrk="1" latinLnBrk="0" hangingPunct="1">
+              <a:lnSpc>
+                <a:spcPct val="90000"/>
+              </a:lnSpc>
+              <a:spcBef>
+                <a:spcPct val="0"/>
+              </a:spcBef>
+              <a:buNone/>
+              <a:defRPr sz="4400" kern="1200">
+                <a:solidFill>
+                  <a:schemeClr val="tx1"/>
+                </a:solidFill>
+                <a:latin typeface="+mj-lt"/>
+                <a:ea typeface="+mj-ea"/>
+                <a:cs typeface="+mj-cs"/>
+              </a:defRPr>
+            </a:lvl1pPr>
+          </a:lstStyle>
+          <a:p>
+            <a:r>
+              <a:rPr lang="es-AR" sz="2400"/>
+              <a:t>GRUPO 12</a:t>
+            </a:r>
+            <a:endParaRPr lang="es-AR" sz="2400" dirty="0"/>
+          </a:p>
+        </p:txBody>
+      </p:sp>
     </p:spTree>
     <p:extLst>
       <p:ext uri="{BB962C8B-B14F-4D97-AF65-F5344CB8AC3E}">
@@ -7110,6 +7499,61 @@
           </a:p>
         </p:txBody>
       </p:sp>
+      <p:sp>
+        <p:nvSpPr>
+          <p:cNvPr id="4" name="Título 1">
+            <a:extLst>
+              <a:ext uri="{FF2B5EF4-FFF2-40B4-BE49-F238E27FC236}">
+                <a16:creationId xmlns:a16="http://schemas.microsoft.com/office/drawing/2014/main" id="{F3F9F3E1-902A-1A92-C60A-FF4FC2FFAA92}"/>
+              </a:ext>
+            </a:extLst>
+          </p:cNvPr>
+          <p:cNvSpPr txBox="1">
+            <a:spLocks/>
+          </p:cNvSpPr>
+          <p:nvPr/>
+        </p:nvSpPr>
+        <p:spPr>
+          <a:xfrm>
+            <a:off x="10668000" y="6502400"/>
+            <a:ext cx="1524000" cy="360680"/>
+          </a:xfrm>
+          <a:prstGeom prst="rect">
+            <a:avLst/>
+          </a:prstGeom>
+        </p:spPr>
+        <p:txBody>
+          <a:bodyPr vert="horz" lIns="91440" tIns="45720" rIns="91440" bIns="45720" rtlCol="0" anchor="ctr">
+            <a:normAutofit fontScale="90000" lnSpcReduction="20000"/>
+          </a:bodyPr>
+          <a:lstStyle>
+            <a:lvl1pPr algn="l" defTabSz="914400" rtl="0" eaLnBrk="1" latinLnBrk="0" hangingPunct="1">
+              <a:lnSpc>
+                <a:spcPct val="90000"/>
+              </a:lnSpc>
+              <a:spcBef>
+                <a:spcPct val="0"/>
+              </a:spcBef>
+              <a:buNone/>
+              <a:defRPr sz="4400" kern="1200">
+                <a:solidFill>
+                  <a:schemeClr val="tx1"/>
+                </a:solidFill>
+                <a:latin typeface="+mj-lt"/>
+                <a:ea typeface="+mj-ea"/>
+                <a:cs typeface="+mj-cs"/>
+              </a:defRPr>
+            </a:lvl1pPr>
+          </a:lstStyle>
+          <a:p>
+            <a:r>
+              <a:rPr lang="es-AR" sz="2400"/>
+              <a:t>GRUPO 12</a:t>
+            </a:r>
+            <a:endParaRPr lang="es-AR" sz="2400" dirty="0"/>
+          </a:p>
+        </p:txBody>
+      </p:sp>
     </p:spTree>
     <p:extLst>
       <p:ext uri="{BB962C8B-B14F-4D97-AF65-F5344CB8AC3E}">
@@ -7247,6 +7691,61 @@
           </a:prstGeom>
         </p:spPr>
       </p:pic>
+      <p:sp>
+        <p:nvSpPr>
+          <p:cNvPr id="4" name="Título 1">
+            <a:extLst>
+              <a:ext uri="{FF2B5EF4-FFF2-40B4-BE49-F238E27FC236}">
+                <a16:creationId xmlns:a16="http://schemas.microsoft.com/office/drawing/2014/main" id="{3BEC6C7C-AD4A-F499-D310-08F40D7865A9}"/>
+              </a:ext>
+            </a:extLst>
+          </p:cNvPr>
+          <p:cNvSpPr txBox="1">
+            <a:spLocks/>
+          </p:cNvSpPr>
+          <p:nvPr/>
+        </p:nvSpPr>
+        <p:spPr>
+          <a:xfrm>
+            <a:off x="10668000" y="6502400"/>
+            <a:ext cx="1524000" cy="360680"/>
+          </a:xfrm>
+          <a:prstGeom prst="rect">
+            <a:avLst/>
+          </a:prstGeom>
+        </p:spPr>
+        <p:txBody>
+          <a:bodyPr vert="horz" lIns="91440" tIns="45720" rIns="91440" bIns="45720" rtlCol="0" anchor="ctr">
+            <a:normAutofit fontScale="90000" lnSpcReduction="20000"/>
+          </a:bodyPr>
+          <a:lstStyle>
+            <a:lvl1pPr algn="l" defTabSz="914400" rtl="0" eaLnBrk="1" latinLnBrk="0" hangingPunct="1">
+              <a:lnSpc>
+                <a:spcPct val="90000"/>
+              </a:lnSpc>
+              <a:spcBef>
+                <a:spcPct val="0"/>
+              </a:spcBef>
+              <a:buNone/>
+              <a:defRPr sz="4400" kern="1200">
+                <a:solidFill>
+                  <a:schemeClr val="tx1"/>
+                </a:solidFill>
+                <a:latin typeface="+mj-lt"/>
+                <a:ea typeface="+mj-ea"/>
+                <a:cs typeface="+mj-cs"/>
+              </a:defRPr>
+            </a:lvl1pPr>
+          </a:lstStyle>
+          <a:p>
+            <a:r>
+              <a:rPr lang="es-AR" sz="2400"/>
+              <a:t>GRUPO 12</a:t>
+            </a:r>
+            <a:endParaRPr lang="es-AR" sz="2400" dirty="0"/>
+          </a:p>
+        </p:txBody>
+      </p:sp>
     </p:spTree>
     <p:extLst>
       <p:ext uri="{BB962C8B-B14F-4D97-AF65-F5344CB8AC3E}">
@@ -7381,6 +7880,61 @@
           </a:prstGeom>
         </p:spPr>
       </p:pic>
+      <p:sp>
+        <p:nvSpPr>
+          <p:cNvPr id="2" name="Título 1">
+            <a:extLst>
+              <a:ext uri="{FF2B5EF4-FFF2-40B4-BE49-F238E27FC236}">
+                <a16:creationId xmlns:a16="http://schemas.microsoft.com/office/drawing/2014/main" id="{590593A1-5ED2-36AD-8409-CD8FCBA36D86}"/>
+              </a:ext>
+            </a:extLst>
+          </p:cNvPr>
+          <p:cNvSpPr txBox="1">
+            <a:spLocks/>
+          </p:cNvSpPr>
+          <p:nvPr/>
+        </p:nvSpPr>
+        <p:spPr>
+          <a:xfrm>
+            <a:off x="10668000" y="6502400"/>
+            <a:ext cx="1524000" cy="360680"/>
+          </a:xfrm>
+          <a:prstGeom prst="rect">
+            <a:avLst/>
+          </a:prstGeom>
+        </p:spPr>
+        <p:txBody>
+          <a:bodyPr>
+            <a:normAutofit fontScale="90000" lnSpcReduction="20000"/>
+          </a:bodyPr>
+          <a:lstStyle>
+            <a:lvl1pPr algn="l" defTabSz="914400" rtl="0" eaLnBrk="1" latinLnBrk="0" hangingPunct="1">
+              <a:lnSpc>
+                <a:spcPct val="90000"/>
+              </a:lnSpc>
+              <a:spcBef>
+                <a:spcPct val="0"/>
+              </a:spcBef>
+              <a:buNone/>
+              <a:defRPr sz="4400" kern="1200">
+                <a:solidFill>
+                  <a:schemeClr val="tx1"/>
+                </a:solidFill>
+                <a:latin typeface="+mj-lt"/>
+                <a:ea typeface="+mj-ea"/>
+                <a:cs typeface="+mj-cs"/>
+              </a:defRPr>
+            </a:lvl1pPr>
+          </a:lstStyle>
+          <a:p>
+            <a:r>
+              <a:rPr lang="es-AR" sz="2400"/>
+              <a:t>GRUPO 12</a:t>
+            </a:r>
+            <a:endParaRPr lang="es-AR" sz="2400" dirty="0"/>
+          </a:p>
+        </p:txBody>
+      </p:sp>
     </p:spTree>
     <p:extLst>
       <p:ext uri="{BB962C8B-B14F-4D97-AF65-F5344CB8AC3E}">
@@ -7480,6 +8034,61 @@
           </a:prstGeom>
         </p:spPr>
       </p:pic>
+      <p:sp>
+        <p:nvSpPr>
+          <p:cNvPr id="3" name="Título 1">
+            <a:extLst>
+              <a:ext uri="{FF2B5EF4-FFF2-40B4-BE49-F238E27FC236}">
+                <a16:creationId xmlns:a16="http://schemas.microsoft.com/office/drawing/2014/main" id="{36ECCAF2-0CF5-0B90-8E5E-6B18F2FE5D48}"/>
+              </a:ext>
+            </a:extLst>
+          </p:cNvPr>
+          <p:cNvSpPr txBox="1">
+            <a:spLocks/>
+          </p:cNvSpPr>
+          <p:nvPr/>
+        </p:nvSpPr>
+        <p:spPr>
+          <a:xfrm>
+            <a:off x="10668000" y="6502400"/>
+            <a:ext cx="1524000" cy="360680"/>
+          </a:xfrm>
+          <a:prstGeom prst="rect">
+            <a:avLst/>
+          </a:prstGeom>
+        </p:spPr>
+        <p:txBody>
+          <a:bodyPr>
+            <a:normAutofit fontScale="90000" lnSpcReduction="20000"/>
+          </a:bodyPr>
+          <a:lstStyle>
+            <a:lvl1pPr algn="l" defTabSz="914400" rtl="0" eaLnBrk="1" latinLnBrk="0" hangingPunct="1">
+              <a:lnSpc>
+                <a:spcPct val="90000"/>
+              </a:lnSpc>
+              <a:spcBef>
+                <a:spcPct val="0"/>
+              </a:spcBef>
+              <a:buNone/>
+              <a:defRPr sz="4400" kern="1200">
+                <a:solidFill>
+                  <a:schemeClr val="tx1"/>
+                </a:solidFill>
+                <a:latin typeface="+mj-lt"/>
+                <a:ea typeface="+mj-ea"/>
+                <a:cs typeface="+mj-cs"/>
+              </a:defRPr>
+            </a:lvl1pPr>
+          </a:lstStyle>
+          <a:p>
+            <a:r>
+              <a:rPr lang="es-AR" sz="2400"/>
+              <a:t>GRUPO 12</a:t>
+            </a:r>
+            <a:endParaRPr lang="es-AR" sz="2400" dirty="0"/>
+          </a:p>
+        </p:txBody>
+      </p:sp>
     </p:spTree>
     <p:extLst>
       <p:ext uri="{BB962C8B-B14F-4D97-AF65-F5344CB8AC3E}">
@@ -7576,6 +8185,61 @@
           </a:graphicData>
         </a:graphic>
       </p:graphicFrame>
+      <p:sp>
+        <p:nvSpPr>
+          <p:cNvPr id="4" name="Título 1">
+            <a:extLst>
+              <a:ext uri="{FF2B5EF4-FFF2-40B4-BE49-F238E27FC236}">
+                <a16:creationId xmlns:a16="http://schemas.microsoft.com/office/drawing/2014/main" id="{BC56E7F9-71F7-0F39-5C67-70EA6121708B}"/>
+              </a:ext>
+            </a:extLst>
+          </p:cNvPr>
+          <p:cNvSpPr txBox="1">
+            <a:spLocks/>
+          </p:cNvSpPr>
+          <p:nvPr/>
+        </p:nvSpPr>
+        <p:spPr>
+          <a:xfrm>
+            <a:off x="10668000" y="6502400"/>
+            <a:ext cx="1524000" cy="360680"/>
+          </a:xfrm>
+          <a:prstGeom prst="rect">
+            <a:avLst/>
+          </a:prstGeom>
+        </p:spPr>
+        <p:txBody>
+          <a:bodyPr>
+            <a:normAutofit fontScale="90000" lnSpcReduction="20000"/>
+          </a:bodyPr>
+          <a:lstStyle>
+            <a:lvl1pPr algn="l" defTabSz="914400" rtl="0" eaLnBrk="1" latinLnBrk="0" hangingPunct="1">
+              <a:lnSpc>
+                <a:spcPct val="90000"/>
+              </a:lnSpc>
+              <a:spcBef>
+                <a:spcPct val="0"/>
+              </a:spcBef>
+              <a:buNone/>
+              <a:defRPr sz="4400" kern="1200">
+                <a:solidFill>
+                  <a:schemeClr val="tx1"/>
+                </a:solidFill>
+                <a:latin typeface="+mj-lt"/>
+                <a:ea typeface="+mj-ea"/>
+                <a:cs typeface="+mj-cs"/>
+              </a:defRPr>
+            </a:lvl1pPr>
+          </a:lstStyle>
+          <a:p>
+            <a:r>
+              <a:rPr lang="es-AR" sz="2400"/>
+              <a:t>GRUPO 12</a:t>
+            </a:r>
+            <a:endParaRPr lang="es-AR" sz="2400" dirty="0"/>
+          </a:p>
+        </p:txBody>
+      </p:sp>
     </p:spTree>
     <p:extLst>
       <p:ext uri="{BB962C8B-B14F-4D97-AF65-F5344CB8AC3E}">
@@ -7811,6 +8475,61 @@
           </a:prstGeom>
         </p:spPr>
       </p:pic>
+      <p:sp>
+        <p:nvSpPr>
+          <p:cNvPr id="4" name="Título 1">
+            <a:extLst>
+              <a:ext uri="{FF2B5EF4-FFF2-40B4-BE49-F238E27FC236}">
+                <a16:creationId xmlns:a16="http://schemas.microsoft.com/office/drawing/2014/main" id="{AAF0005D-0931-178A-871E-DA243FB3CD48}"/>
+              </a:ext>
+            </a:extLst>
+          </p:cNvPr>
+          <p:cNvSpPr txBox="1">
+            <a:spLocks/>
+          </p:cNvSpPr>
+          <p:nvPr/>
+        </p:nvSpPr>
+        <p:spPr>
+          <a:xfrm>
+            <a:off x="10668000" y="6502400"/>
+            <a:ext cx="1524000" cy="360680"/>
+          </a:xfrm>
+          <a:prstGeom prst="rect">
+            <a:avLst/>
+          </a:prstGeom>
+        </p:spPr>
+        <p:txBody>
+          <a:bodyPr>
+            <a:normAutofit fontScale="90000" lnSpcReduction="20000"/>
+          </a:bodyPr>
+          <a:lstStyle>
+            <a:lvl1pPr algn="l" defTabSz="914400" rtl="0" eaLnBrk="1" latinLnBrk="0" hangingPunct="1">
+              <a:lnSpc>
+                <a:spcPct val="90000"/>
+              </a:lnSpc>
+              <a:spcBef>
+                <a:spcPct val="0"/>
+              </a:spcBef>
+              <a:buNone/>
+              <a:defRPr sz="4400" kern="1200">
+                <a:solidFill>
+                  <a:schemeClr val="tx1"/>
+                </a:solidFill>
+                <a:latin typeface="+mj-lt"/>
+                <a:ea typeface="+mj-ea"/>
+                <a:cs typeface="+mj-cs"/>
+              </a:defRPr>
+            </a:lvl1pPr>
+          </a:lstStyle>
+          <a:p>
+            <a:r>
+              <a:rPr lang="es-AR" sz="2400"/>
+              <a:t>GRUPO 12</a:t>
+            </a:r>
+            <a:endParaRPr lang="es-AR" sz="2400" dirty="0"/>
+          </a:p>
+        </p:txBody>
+      </p:sp>
     </p:spTree>
     <p:extLst>
       <p:ext uri="{BB962C8B-B14F-4D97-AF65-F5344CB8AC3E}">
@@ -8147,6 +8866,61 @@
           </a:prstGeom>
         </p:spPr>
       </p:pic>
+      <p:sp>
+        <p:nvSpPr>
+          <p:cNvPr id="3" name="Título 1">
+            <a:extLst>
+              <a:ext uri="{FF2B5EF4-FFF2-40B4-BE49-F238E27FC236}">
+                <a16:creationId xmlns:a16="http://schemas.microsoft.com/office/drawing/2014/main" id="{FFB49C29-0DA9-FBDB-DBA6-7AE144AEFACB}"/>
+              </a:ext>
+            </a:extLst>
+          </p:cNvPr>
+          <p:cNvSpPr txBox="1">
+            <a:spLocks/>
+          </p:cNvSpPr>
+          <p:nvPr/>
+        </p:nvSpPr>
+        <p:spPr>
+          <a:xfrm>
+            <a:off x="10668000" y="6502400"/>
+            <a:ext cx="1524000" cy="360680"/>
+          </a:xfrm>
+          <a:prstGeom prst="rect">
+            <a:avLst/>
+          </a:prstGeom>
+        </p:spPr>
+        <p:txBody>
+          <a:bodyPr>
+            <a:normAutofit fontScale="90000" lnSpcReduction="20000"/>
+          </a:bodyPr>
+          <a:lstStyle>
+            <a:lvl1pPr algn="l" defTabSz="914400" rtl="0" eaLnBrk="1" latinLnBrk="0" hangingPunct="1">
+              <a:lnSpc>
+                <a:spcPct val="90000"/>
+              </a:lnSpc>
+              <a:spcBef>
+                <a:spcPct val="0"/>
+              </a:spcBef>
+              <a:buNone/>
+              <a:defRPr sz="4400" kern="1200">
+                <a:solidFill>
+                  <a:schemeClr val="tx1"/>
+                </a:solidFill>
+                <a:latin typeface="+mj-lt"/>
+                <a:ea typeface="+mj-ea"/>
+                <a:cs typeface="+mj-cs"/>
+              </a:defRPr>
+            </a:lvl1pPr>
+          </a:lstStyle>
+          <a:p>
+            <a:r>
+              <a:rPr lang="es-AR" sz="2400"/>
+              <a:t>GRUPO 12</a:t>
+            </a:r>
+            <a:endParaRPr lang="es-AR" sz="2400" dirty="0"/>
+          </a:p>
+        </p:txBody>
+      </p:sp>
     </p:spTree>
     <p:extLst>
       <p:ext uri="{BB962C8B-B14F-4D97-AF65-F5344CB8AC3E}">
@@ -8501,6 +9275,61 @@
           </a:fontRef>
         </p:style>
       </p:pic>
+      <p:sp>
+        <p:nvSpPr>
+          <p:cNvPr id="2" name="Título 1">
+            <a:extLst>
+              <a:ext uri="{FF2B5EF4-FFF2-40B4-BE49-F238E27FC236}">
+                <a16:creationId xmlns:a16="http://schemas.microsoft.com/office/drawing/2014/main" id="{D78FA7B2-FA47-3D4C-D926-5360D181C50B}"/>
+              </a:ext>
+            </a:extLst>
+          </p:cNvPr>
+          <p:cNvSpPr txBox="1">
+            <a:spLocks/>
+          </p:cNvSpPr>
+          <p:nvPr/>
+        </p:nvSpPr>
+        <p:spPr>
+          <a:xfrm>
+            <a:off x="10668000" y="6502400"/>
+            <a:ext cx="1524000" cy="360680"/>
+          </a:xfrm>
+          <a:prstGeom prst="rect">
+            <a:avLst/>
+          </a:prstGeom>
+        </p:spPr>
+        <p:txBody>
+          <a:bodyPr vert="horz" lIns="91440" tIns="45720" rIns="91440" bIns="45720" rtlCol="0" anchor="ctr">
+            <a:normAutofit fontScale="90000" lnSpcReduction="20000"/>
+          </a:bodyPr>
+          <a:lstStyle>
+            <a:lvl1pPr algn="l" defTabSz="914400" rtl="0" eaLnBrk="1" latinLnBrk="0" hangingPunct="1">
+              <a:lnSpc>
+                <a:spcPct val="90000"/>
+              </a:lnSpc>
+              <a:spcBef>
+                <a:spcPct val="0"/>
+              </a:spcBef>
+              <a:buNone/>
+              <a:defRPr sz="4400" kern="1200">
+                <a:solidFill>
+                  <a:schemeClr val="tx1"/>
+                </a:solidFill>
+                <a:latin typeface="+mj-lt"/>
+                <a:ea typeface="+mj-ea"/>
+                <a:cs typeface="+mj-cs"/>
+              </a:defRPr>
+            </a:lvl1pPr>
+          </a:lstStyle>
+          <a:p>
+            <a:r>
+              <a:rPr lang="es-AR" sz="2400"/>
+              <a:t>GRUPO 12</a:t>
+            </a:r>
+            <a:endParaRPr lang="es-AR" sz="2400" dirty="0"/>
+          </a:p>
+        </p:txBody>
+      </p:sp>
     </p:spTree>
     <p:extLst>
       <p:ext uri="{BB962C8B-B14F-4D97-AF65-F5344CB8AC3E}">
@@ -8735,6 +9564,61 @@
           </a:p>
         </p:txBody>
       </p:sp>
+      <p:sp>
+        <p:nvSpPr>
+          <p:cNvPr id="2" name="Título 1">
+            <a:extLst>
+              <a:ext uri="{FF2B5EF4-FFF2-40B4-BE49-F238E27FC236}">
+                <a16:creationId xmlns:a16="http://schemas.microsoft.com/office/drawing/2014/main" id="{B6B85723-1752-AD1B-F7FC-CA64A9A0B029}"/>
+              </a:ext>
+            </a:extLst>
+          </p:cNvPr>
+          <p:cNvSpPr txBox="1">
+            <a:spLocks/>
+          </p:cNvSpPr>
+          <p:nvPr/>
+        </p:nvSpPr>
+        <p:spPr>
+          <a:xfrm>
+            <a:off x="10668000" y="6502400"/>
+            <a:ext cx="1524000" cy="360680"/>
+          </a:xfrm>
+          <a:prstGeom prst="rect">
+            <a:avLst/>
+          </a:prstGeom>
+        </p:spPr>
+        <p:txBody>
+          <a:bodyPr>
+            <a:normAutofit fontScale="90000" lnSpcReduction="20000"/>
+          </a:bodyPr>
+          <a:lstStyle>
+            <a:lvl1pPr algn="l" defTabSz="914400" rtl="0" eaLnBrk="1" latinLnBrk="0" hangingPunct="1">
+              <a:lnSpc>
+                <a:spcPct val="90000"/>
+              </a:lnSpc>
+              <a:spcBef>
+                <a:spcPct val="0"/>
+              </a:spcBef>
+              <a:buNone/>
+              <a:defRPr sz="4400" kern="1200">
+                <a:solidFill>
+                  <a:schemeClr val="tx1"/>
+                </a:solidFill>
+                <a:latin typeface="+mj-lt"/>
+                <a:ea typeface="+mj-ea"/>
+                <a:cs typeface="+mj-cs"/>
+              </a:defRPr>
+            </a:lvl1pPr>
+          </a:lstStyle>
+          <a:p>
+            <a:r>
+              <a:rPr lang="es-AR" sz="2400"/>
+              <a:t>GRUPO 12</a:t>
+            </a:r>
+            <a:endParaRPr lang="es-AR" sz="2400" dirty="0"/>
+          </a:p>
+        </p:txBody>
+      </p:sp>
     </p:spTree>
     <p:extLst>
       <p:ext uri="{BB962C8B-B14F-4D97-AF65-F5344CB8AC3E}">
@@ -8933,6 +9817,61 @@
           </a:fontRef>
         </p:style>
       </p:pic>
+      <p:sp>
+        <p:nvSpPr>
+          <p:cNvPr id="2" name="Título 1">
+            <a:extLst>
+              <a:ext uri="{FF2B5EF4-FFF2-40B4-BE49-F238E27FC236}">
+                <a16:creationId xmlns:a16="http://schemas.microsoft.com/office/drawing/2014/main" id="{78B3EC7C-9629-0075-D97F-2B69832F4F44}"/>
+              </a:ext>
+            </a:extLst>
+          </p:cNvPr>
+          <p:cNvSpPr txBox="1">
+            <a:spLocks/>
+          </p:cNvSpPr>
+          <p:nvPr/>
+        </p:nvSpPr>
+        <p:spPr>
+          <a:xfrm>
+            <a:off x="10668000" y="6511365"/>
+            <a:ext cx="1524000" cy="360680"/>
+          </a:xfrm>
+          <a:prstGeom prst="rect">
+            <a:avLst/>
+          </a:prstGeom>
+        </p:spPr>
+        <p:txBody>
+          <a:bodyPr vert="horz" lIns="91440" tIns="45720" rIns="91440" bIns="45720" rtlCol="0" anchor="ctr">
+            <a:normAutofit fontScale="90000" lnSpcReduction="20000"/>
+          </a:bodyPr>
+          <a:lstStyle>
+            <a:lvl1pPr algn="l" defTabSz="914400" rtl="0" eaLnBrk="1" latinLnBrk="0" hangingPunct="1">
+              <a:lnSpc>
+                <a:spcPct val="90000"/>
+              </a:lnSpc>
+              <a:spcBef>
+                <a:spcPct val="0"/>
+              </a:spcBef>
+              <a:buNone/>
+              <a:defRPr sz="4400" kern="1200">
+                <a:solidFill>
+                  <a:schemeClr val="tx1"/>
+                </a:solidFill>
+                <a:latin typeface="+mj-lt"/>
+                <a:ea typeface="+mj-ea"/>
+                <a:cs typeface="+mj-cs"/>
+              </a:defRPr>
+            </a:lvl1pPr>
+          </a:lstStyle>
+          <a:p>
+            <a:r>
+              <a:rPr lang="es-AR" sz="2400"/>
+              <a:t>GRUPO 12</a:t>
+            </a:r>
+            <a:endParaRPr lang="es-AR" sz="2400" dirty="0"/>
+          </a:p>
+        </p:txBody>
+      </p:sp>
     </p:spTree>
     <p:extLst>
       <p:ext uri="{BB962C8B-B14F-4D97-AF65-F5344CB8AC3E}">
@@ -9816,6 +10755,61 @@
           </a:p>
         </p:txBody>
       </p:sp>
+      <p:sp>
+        <p:nvSpPr>
+          <p:cNvPr id="2" name="Título 1">
+            <a:extLst>
+              <a:ext uri="{FF2B5EF4-FFF2-40B4-BE49-F238E27FC236}">
+                <a16:creationId xmlns:a16="http://schemas.microsoft.com/office/drawing/2014/main" id="{89AC0C8C-1CF7-6C9C-3B72-4AC1598EDBEB}"/>
+              </a:ext>
+            </a:extLst>
+          </p:cNvPr>
+          <p:cNvSpPr txBox="1">
+            <a:spLocks/>
+          </p:cNvSpPr>
+          <p:nvPr/>
+        </p:nvSpPr>
+        <p:spPr>
+          <a:xfrm>
+            <a:off x="10668000" y="6502400"/>
+            <a:ext cx="1524000" cy="360680"/>
+          </a:xfrm>
+          <a:prstGeom prst="rect">
+            <a:avLst/>
+          </a:prstGeom>
+        </p:spPr>
+        <p:txBody>
+          <a:bodyPr vert="horz" lIns="91440" tIns="45720" rIns="91440" bIns="45720" rtlCol="0" anchor="ctr">
+            <a:normAutofit fontScale="90000" lnSpcReduction="20000"/>
+          </a:bodyPr>
+          <a:lstStyle>
+            <a:lvl1pPr algn="l" defTabSz="914400" rtl="0" eaLnBrk="1" latinLnBrk="0" hangingPunct="1">
+              <a:lnSpc>
+                <a:spcPct val="90000"/>
+              </a:lnSpc>
+              <a:spcBef>
+                <a:spcPct val="0"/>
+              </a:spcBef>
+              <a:buNone/>
+              <a:defRPr sz="4400" kern="1200">
+                <a:solidFill>
+                  <a:schemeClr val="tx1"/>
+                </a:solidFill>
+                <a:latin typeface="+mj-lt"/>
+                <a:ea typeface="+mj-ea"/>
+                <a:cs typeface="+mj-cs"/>
+              </a:defRPr>
+            </a:lvl1pPr>
+          </a:lstStyle>
+          <a:p>
+            <a:r>
+              <a:rPr lang="es-AR" sz="2400"/>
+              <a:t>GRUPO 12</a:t>
+            </a:r>
+            <a:endParaRPr lang="es-AR" sz="2400" dirty="0"/>
+          </a:p>
+        </p:txBody>
+      </p:sp>
     </p:spTree>
     <p:extLst>
       <p:ext uri="{BB962C8B-B14F-4D97-AF65-F5344CB8AC3E}">
@@ -10781,6 +11775,61 @@
           </a:p>
         </p:txBody>
       </p:sp>
+      <p:sp>
+        <p:nvSpPr>
+          <p:cNvPr id="2" name="Título 1">
+            <a:extLst>
+              <a:ext uri="{FF2B5EF4-FFF2-40B4-BE49-F238E27FC236}">
+                <a16:creationId xmlns:a16="http://schemas.microsoft.com/office/drawing/2014/main" id="{C1D8C9F5-423E-50D5-2152-B41C69532DF5}"/>
+              </a:ext>
+            </a:extLst>
+          </p:cNvPr>
+          <p:cNvSpPr txBox="1">
+            <a:spLocks/>
+          </p:cNvSpPr>
+          <p:nvPr/>
+        </p:nvSpPr>
+        <p:spPr>
+          <a:xfrm>
+            <a:off x="10668000" y="6502400"/>
+            <a:ext cx="1524000" cy="360680"/>
+          </a:xfrm>
+          <a:prstGeom prst="rect">
+            <a:avLst/>
+          </a:prstGeom>
+        </p:spPr>
+        <p:txBody>
+          <a:bodyPr vert="horz" lIns="91440" tIns="45720" rIns="91440" bIns="45720" rtlCol="0" anchor="ctr">
+            <a:normAutofit fontScale="90000" lnSpcReduction="20000"/>
+          </a:bodyPr>
+          <a:lstStyle>
+            <a:lvl1pPr algn="l" defTabSz="914400" rtl="0" eaLnBrk="1" latinLnBrk="0" hangingPunct="1">
+              <a:lnSpc>
+                <a:spcPct val="90000"/>
+              </a:lnSpc>
+              <a:spcBef>
+                <a:spcPct val="0"/>
+              </a:spcBef>
+              <a:buNone/>
+              <a:defRPr sz="4400" kern="1200">
+                <a:solidFill>
+                  <a:schemeClr val="tx1"/>
+                </a:solidFill>
+                <a:latin typeface="+mj-lt"/>
+                <a:ea typeface="+mj-ea"/>
+                <a:cs typeface="+mj-cs"/>
+              </a:defRPr>
+            </a:lvl1pPr>
+          </a:lstStyle>
+          <a:p>
+            <a:r>
+              <a:rPr lang="es-AR" sz="2400"/>
+              <a:t>GRUPO 12</a:t>
+            </a:r>
+            <a:endParaRPr lang="es-AR" sz="2400" dirty="0"/>
+          </a:p>
+        </p:txBody>
+      </p:sp>
     </p:spTree>
     <p:extLst>
       <p:ext uri="{BB962C8B-B14F-4D97-AF65-F5344CB8AC3E}">
@@ -11998,6 +13047,61 @@
           </a:prstGeom>
         </p:spPr>
       </p:pic>
+      <p:sp>
+        <p:nvSpPr>
+          <p:cNvPr id="2" name="Título 1">
+            <a:extLst>
+              <a:ext uri="{FF2B5EF4-FFF2-40B4-BE49-F238E27FC236}">
+                <a16:creationId xmlns:a16="http://schemas.microsoft.com/office/drawing/2014/main" id="{DF901789-6878-1F8A-AE64-C7530BAB6202}"/>
+              </a:ext>
+            </a:extLst>
+          </p:cNvPr>
+          <p:cNvSpPr txBox="1">
+            <a:spLocks/>
+          </p:cNvSpPr>
+          <p:nvPr/>
+        </p:nvSpPr>
+        <p:spPr>
+          <a:xfrm>
+            <a:off x="10668000" y="6502400"/>
+            <a:ext cx="1524000" cy="360680"/>
+          </a:xfrm>
+          <a:prstGeom prst="rect">
+            <a:avLst/>
+          </a:prstGeom>
+        </p:spPr>
+        <p:txBody>
+          <a:bodyPr vert="horz" lIns="91440" tIns="45720" rIns="91440" bIns="45720" rtlCol="0" anchor="ctr">
+            <a:normAutofit fontScale="90000" lnSpcReduction="20000"/>
+          </a:bodyPr>
+          <a:lstStyle>
+            <a:lvl1pPr algn="l" defTabSz="914400" rtl="0" eaLnBrk="1" latinLnBrk="0" hangingPunct="1">
+              <a:lnSpc>
+                <a:spcPct val="90000"/>
+              </a:lnSpc>
+              <a:spcBef>
+                <a:spcPct val="0"/>
+              </a:spcBef>
+              <a:buNone/>
+              <a:defRPr sz="4400" kern="1200">
+                <a:solidFill>
+                  <a:schemeClr val="tx1"/>
+                </a:solidFill>
+                <a:latin typeface="+mj-lt"/>
+                <a:ea typeface="+mj-ea"/>
+                <a:cs typeface="+mj-cs"/>
+              </a:defRPr>
+            </a:lvl1pPr>
+          </a:lstStyle>
+          <a:p>
+            <a:r>
+              <a:rPr lang="es-AR" sz="2400"/>
+              <a:t>GRUPO 12</a:t>
+            </a:r>
+            <a:endParaRPr lang="es-AR" sz="2400" dirty="0"/>
+          </a:p>
+        </p:txBody>
+      </p:sp>
     </p:spTree>
     <p:extLst>
       <p:ext uri="{BB962C8B-B14F-4D97-AF65-F5344CB8AC3E}">

--- a/TP1/TP1_GRUPO12.pptx
+++ b/TP1/TP1_GRUPO12.pptx
@@ -143,7 +143,7 @@
   <pc:docChgLst>
     <pc:chgData name="Moises Pirela" userId="a07275d2963e6567" providerId="LiveId" clId="{3AF36EFD-39B4-44E2-ACEB-D9DAEDAAFC3E}"/>
     <pc:docChg chg="custSel addSld delSld modSld">
-      <pc:chgData name="Moises Pirela" userId="a07275d2963e6567" providerId="LiveId" clId="{3AF36EFD-39B4-44E2-ACEB-D9DAEDAAFC3E}" dt="2022-11-03T09:00:29.055" v="69" actId="27636"/>
+      <pc:chgData name="Moises Pirela" userId="a07275d2963e6567" providerId="LiveId" clId="{3AF36EFD-39B4-44E2-ACEB-D9DAEDAAFC3E}" dt="2022-11-03T19:20:34.401" v="87" actId="20577"/>
       <pc:docMkLst>
         <pc:docMk/>
       </pc:docMkLst>
@@ -273,11 +273,19 @@
         </pc:spChg>
       </pc:sldChg>
       <pc:sldChg chg="addSp modSp mod">
-        <pc:chgData name="Moises Pirela" userId="a07275d2963e6567" providerId="LiveId" clId="{3AF36EFD-39B4-44E2-ACEB-D9DAEDAAFC3E}" dt="2022-11-03T09:00:27.624" v="67" actId="27636"/>
+        <pc:chgData name="Moises Pirela" userId="a07275d2963e6567" providerId="LiveId" clId="{3AF36EFD-39B4-44E2-ACEB-D9DAEDAAFC3E}" dt="2022-11-03T19:20:34.401" v="87" actId="20577"/>
         <pc:sldMkLst>
           <pc:docMk/>
           <pc:sldMk cId="2267055555" sldId="259"/>
         </pc:sldMkLst>
+        <pc:spChg chg="mod">
+          <ac:chgData name="Moises Pirela" userId="a07275d2963e6567" providerId="LiveId" clId="{3AF36EFD-39B4-44E2-ACEB-D9DAEDAAFC3E}" dt="2022-11-03T19:20:34.401" v="87" actId="20577"/>
+          <ac:spMkLst>
+            <pc:docMk/>
+            <pc:sldMk cId="2267055555" sldId="259"/>
+            <ac:spMk id="3" creationId="{79511FCA-CAEC-DFAB-EE6D-E7E7FDC82A7E}"/>
+          </ac:spMkLst>
+        </pc:spChg>
         <pc:spChg chg="add mod">
           <ac:chgData name="Moises Pirela" userId="a07275d2963e6567" providerId="LiveId" clId="{3AF36EFD-39B4-44E2-ACEB-D9DAEDAAFC3E}" dt="2022-11-03T09:00:27.624" v="67" actId="27636"/>
           <ac:spMkLst>
@@ -8345,7 +8353,7 @@
             </a:pPr>
             <a:r>
               <a:rPr lang="es-CO" sz="2000" dirty="0"/>
-              <a:t>El valor promedio por m2 es de 2160,3 </a:t>
+              <a:t>El valor promedio por m2 es de 2042,3 </a:t>
             </a:r>
             <a:r>
               <a:rPr lang="es-CO" sz="2000" dirty="0" err="1"/>
@@ -8399,7 +8407,11 @@
             </a:pPr>
             <a:r>
               <a:rPr lang="es-CO" sz="2000" dirty="0"/>
-              <a:t>Desviación estándar de 2759,3 </a:t>
+              <a:t>Desviación </a:t>
+            </a:r>
+            <a:r>
+              <a:rPr lang="es-CO" sz="2000"/>
+              <a:t>estándar de 1865,3 </a:t>
             </a:r>
             <a:r>
               <a:rPr lang="es-CO" sz="2000" dirty="0" err="1"/>

--- a/TP1/TP1_GRUPO12.pptx
+++ b/TP1/TP1_GRUPO12.pptx
@@ -143,12 +143,12 @@
   <pc:docChgLst>
     <pc:chgData name="Moises Pirela" userId="a07275d2963e6567" providerId="LiveId" clId="{3AF36EFD-39B4-44E2-ACEB-D9DAEDAAFC3E}"/>
     <pc:docChg chg="custSel addSld delSld modSld">
-      <pc:chgData name="Moises Pirela" userId="a07275d2963e6567" providerId="LiveId" clId="{3AF36EFD-39B4-44E2-ACEB-D9DAEDAAFC3E}" dt="2022-11-03T19:20:34.401" v="87" actId="20577"/>
+      <pc:chgData name="Moises Pirela" userId="a07275d2963e6567" providerId="LiveId" clId="{3AF36EFD-39B4-44E2-ACEB-D9DAEDAAFC3E}" dt="2022-11-04T03:03:47.960" v="107" actId="20577"/>
       <pc:docMkLst>
         <pc:docMk/>
       </pc:docMkLst>
       <pc:sldChg chg="addSp modSp mod">
-        <pc:chgData name="Moises Pirela" userId="a07275d2963e6567" providerId="LiveId" clId="{3AF36EFD-39B4-44E2-ACEB-D9DAEDAAFC3E}" dt="2022-11-03T08:07:26.921" v="19" actId="1076"/>
+        <pc:chgData name="Moises Pirela" userId="a07275d2963e6567" providerId="LiveId" clId="{3AF36EFD-39B4-44E2-ACEB-D9DAEDAAFC3E}" dt="2022-11-04T03:03:47.960" v="107" actId="20577"/>
         <pc:sldMkLst>
           <pc:docMk/>
           <pc:sldMk cId="3394526084" sldId="256"/>
@@ -159,6 +159,14 @@
             <pc:docMk/>
             <pc:sldMk cId="3394526084" sldId="256"/>
             <ac:spMk id="2" creationId="{127BB8A0-8514-D4F1-DD11-0C2BB0D0D0BC}"/>
+          </ac:spMkLst>
+        </pc:spChg>
+        <pc:spChg chg="mod">
+          <ac:chgData name="Moises Pirela" userId="a07275d2963e6567" providerId="LiveId" clId="{3AF36EFD-39B4-44E2-ACEB-D9DAEDAAFC3E}" dt="2022-11-04T03:03:47.960" v="107" actId="20577"/>
+          <ac:spMkLst>
+            <pc:docMk/>
+            <pc:sldMk cId="3394526084" sldId="256"/>
+            <ac:spMk id="3" creationId="{B5B17A00-461D-D84A-A70A-7BC65F547B71}"/>
           </ac:spMkLst>
         </pc:spChg>
         <pc:spChg chg="add mod">
@@ -272,8 +280,8 @@
           </ac:spMkLst>
         </pc:spChg>
       </pc:sldChg>
-      <pc:sldChg chg="addSp modSp mod">
-        <pc:chgData name="Moises Pirela" userId="a07275d2963e6567" providerId="LiveId" clId="{3AF36EFD-39B4-44E2-ACEB-D9DAEDAAFC3E}" dt="2022-11-03T19:20:34.401" v="87" actId="20577"/>
+      <pc:sldChg chg="addSp delSp modSp mod">
+        <pc:chgData name="Moises Pirela" userId="a07275d2963e6567" providerId="LiveId" clId="{3AF36EFD-39B4-44E2-ACEB-D9DAEDAAFC3E}" dt="2022-11-04T02:45:40.103" v="100" actId="14100"/>
         <pc:sldMkLst>
           <pc:docMk/>
           <pc:sldMk cId="2267055555" sldId="259"/>
@@ -294,6 +302,30 @@
             <ac:spMk id="4" creationId="{AAF0005D-0931-178A-871E-DA243FB3CD48}"/>
           </ac:spMkLst>
         </pc:spChg>
+        <pc:picChg chg="del">
+          <ac:chgData name="Moises Pirela" userId="a07275d2963e6567" providerId="LiveId" clId="{3AF36EFD-39B4-44E2-ACEB-D9DAEDAAFC3E}" dt="2022-11-04T02:45:11.982" v="89" actId="478"/>
+          <ac:picMkLst>
+            <pc:docMk/>
+            <pc:sldMk cId="2267055555" sldId="259"/>
+            <ac:picMk id="5" creationId="{CD05AEA0-580E-0614-FAB6-767FAE6AC5F7}"/>
+          </ac:picMkLst>
+        </pc:picChg>
+        <pc:picChg chg="del">
+          <ac:chgData name="Moises Pirela" userId="a07275d2963e6567" providerId="LiveId" clId="{3AF36EFD-39B4-44E2-ACEB-D9DAEDAAFC3E}" dt="2022-11-04T02:45:10.604" v="88" actId="478"/>
+          <ac:picMkLst>
+            <pc:docMk/>
+            <pc:sldMk cId="2267055555" sldId="259"/>
+            <ac:picMk id="7" creationId="{A04E209A-A6C7-819F-FB8C-9514DCACD43D}"/>
+          </ac:picMkLst>
+        </pc:picChg>
+        <pc:picChg chg="add mod modCrop">
+          <ac:chgData name="Moises Pirela" userId="a07275d2963e6567" providerId="LiveId" clId="{3AF36EFD-39B4-44E2-ACEB-D9DAEDAAFC3E}" dt="2022-11-04T02:45:40.103" v="100" actId="14100"/>
+          <ac:picMkLst>
+            <pc:docMk/>
+            <pc:sldMk cId="2267055555" sldId="259"/>
+            <ac:picMk id="8" creationId="{7C2A4CE8-72AF-7946-EA0D-9DFA0DA29BD6}"/>
+          </ac:picMkLst>
+        </pc:picChg>
       </pc:sldChg>
       <pc:sldChg chg="addSp modSp mod">
         <pc:chgData name="Moises Pirela" userId="a07275d2963e6567" providerId="LiveId" clId="{3AF36EFD-39B4-44E2-ACEB-D9DAEDAAFC3E}" dt="2022-11-03T09:00:09.640" v="45" actId="27636"/>
@@ -4920,7 +4952,7 @@
         </p:nvSpPr>
         <p:spPr>
           <a:xfrm>
-            <a:off x="8644890" y="3429000"/>
+            <a:off x="8788325" y="3948953"/>
             <a:ext cx="2914650" cy="2387601"/>
           </a:xfrm>
         </p:spPr>
@@ -4932,13 +4964,7 @@
           <a:p>
             <a:r>
               <a:rPr lang="es-AR" dirty="0"/>
-              <a:t>Parra, Carlos</a:t>
-            </a:r>
-          </a:p>
-          <a:p>
-            <a:r>
-              <a:rPr lang="es-AR" dirty="0"/>
-              <a:t>Piedrahita, José</a:t>
+              <a:t>Muñoz, Carlos</a:t>
             </a:r>
           </a:p>
           <a:p>
@@ -8427,66 +8453,6 @@
           </a:p>
         </p:txBody>
       </p:sp>
-      <p:pic>
-        <p:nvPicPr>
-          <p:cNvPr id="5" name="Imagen 4">
-            <a:extLst>
-              <a:ext uri="{FF2B5EF4-FFF2-40B4-BE49-F238E27FC236}">
-                <a16:creationId xmlns:a16="http://schemas.microsoft.com/office/drawing/2014/main" id="{CD05AEA0-580E-0614-FAB6-767FAE6AC5F7}"/>
-              </a:ext>
-            </a:extLst>
-          </p:cNvPr>
-          <p:cNvPicPr>
-            <a:picLocks noChangeAspect="1"/>
-          </p:cNvPicPr>
-          <p:nvPr/>
-        </p:nvPicPr>
-        <p:blipFill>
-          <a:blip r:embed="rId2"/>
-          <a:stretch>
-            <a:fillRect/>
-          </a:stretch>
-        </p:blipFill>
-        <p:spPr>
-          <a:xfrm>
-            <a:off x="5993296" y="982414"/>
-            <a:ext cx="5514272" cy="5444618"/>
-          </a:xfrm>
-          <a:prstGeom prst="rect">
-            <a:avLst/>
-          </a:prstGeom>
-        </p:spPr>
-      </p:pic>
-      <p:pic>
-        <p:nvPicPr>
-          <p:cNvPr id="7" name="Imagen 6">
-            <a:extLst>
-              <a:ext uri="{FF2B5EF4-FFF2-40B4-BE49-F238E27FC236}">
-                <a16:creationId xmlns:a16="http://schemas.microsoft.com/office/drawing/2014/main" id="{A04E209A-A6C7-819F-FB8C-9514DCACD43D}"/>
-              </a:ext>
-            </a:extLst>
-          </p:cNvPr>
-          <p:cNvPicPr>
-            <a:picLocks noChangeAspect="1"/>
-          </p:cNvPicPr>
-          <p:nvPr/>
-        </p:nvPicPr>
-        <p:blipFill>
-          <a:blip r:embed="rId3"/>
-          <a:stretch>
-            <a:fillRect/>
-          </a:stretch>
-        </p:blipFill>
-        <p:spPr>
-          <a:xfrm>
-            <a:off x="1099930" y="3989583"/>
-            <a:ext cx="4029282" cy="2868417"/>
-          </a:xfrm>
-          <a:prstGeom prst="rect">
-            <a:avLst/>
-          </a:prstGeom>
-        </p:spPr>
-      </p:pic>
       <p:sp>
         <p:nvSpPr>
           <p:cNvPr id="4" name="Título 1">
@@ -8542,6 +8508,35 @@
           </a:p>
         </p:txBody>
       </p:sp>
+      <p:pic>
+        <p:nvPicPr>
+          <p:cNvPr id="8" name="Imagen 7">
+            <a:extLst>
+              <a:ext uri="{FF2B5EF4-FFF2-40B4-BE49-F238E27FC236}">
+                <a16:creationId xmlns:a16="http://schemas.microsoft.com/office/drawing/2014/main" id="{7C2A4CE8-72AF-7946-EA0D-9DFA0DA29BD6}"/>
+              </a:ext>
+            </a:extLst>
+          </p:cNvPr>
+          <p:cNvPicPr>
+            <a:picLocks noChangeAspect="1"/>
+          </p:cNvPicPr>
+          <p:nvPr/>
+        </p:nvPicPr>
+        <p:blipFill rotWithShape="1">
+          <a:blip r:embed="rId2"/>
+          <a:srcRect l="1685" t="1666" r="10077" b="4414"/>
+          <a:stretch/>
+        </p:blipFill>
+        <p:spPr>
+          <a:xfrm>
+            <a:off x="6194612" y="632027"/>
+            <a:ext cx="5468470" cy="5482695"/>
+          </a:xfrm>
+          <a:prstGeom prst="rect">
+            <a:avLst/>
+          </a:prstGeom>
+        </p:spPr>
+      </p:pic>
     </p:spTree>
     <p:extLst>
       <p:ext uri="{BB962C8B-B14F-4D97-AF65-F5344CB8AC3E}">
